--- a/Tarapana/presentation/Endava Social Analyzer V2.0.pptx
+++ b/Tarapana/presentation/Endava Social Analyzer V2.0.pptx
@@ -16,11 +16,11 @@
     <p:sldId id="258" r:id="rId7"/>
     <p:sldId id="267" r:id="rId8"/>
     <p:sldId id="263" r:id="rId9"/>
-    <p:sldId id="270" r:id="rId10"/>
-    <p:sldId id="271" r:id="rId11"/>
-    <p:sldId id="272" r:id="rId12"/>
-    <p:sldId id="273" r:id="rId13"/>
-    <p:sldId id="274" r:id="rId14"/>
+    <p:sldId id="274" r:id="rId10"/>
+    <p:sldId id="275" r:id="rId11"/>
+    <p:sldId id="270" r:id="rId12"/>
+    <p:sldId id="271" r:id="rId13"/>
+    <p:sldId id="272" r:id="rId14"/>
     <p:sldId id="268" r:id="rId15"/>
   </p:sldIdLst>
   <p:sldSz cx="12192000" cy="6858000"/>
@@ -122,7 +122,18 @@
   </p:defaultTextStyle>
   <p:extLst>
     <p:ext uri="{EFAFB233-063F-42B5-8137-9DF3F51BA10A}">
-      <p15:sldGuideLst xmlns:p15="http://schemas.microsoft.com/office/powerpoint/2012/main"/>
+      <p15:sldGuideLst xmlns:p15="http://schemas.microsoft.com/office/powerpoint/2012/main">
+        <p15:guide id="1" orient="horz" pos="2160">
+          <p15:clr>
+            <a:srgbClr val="A4A3A4"/>
+          </p15:clr>
+        </p15:guide>
+        <p15:guide id="2" pos="3840">
+          <p15:clr>
+            <a:srgbClr val="A4A3A4"/>
+          </p15:clr>
+        </p15:guide>
+      </p15:sldGuideLst>
     </p:ext>
     <p:ext uri="{2D200454-40CA-4A62-9FC3-DE9A4176ACB9}">
       <p15:notesGuideLst xmlns:p15="http://schemas.microsoft.com/office/powerpoint/2012/main"/>
@@ -213,7 +224,8 @@
           <a:p>
             <a:fld id="{F4985468-EA09-47E3-8036-5BF84197CAEF}" type="datetimeFigureOut">
               <a:rPr lang="en-GB" smtClean="0"/>
-              <a:t>03/03/2016</a:t>
+              <a:pPr/>
+              <a:t>06/03/2016</a:t>
             </a:fld>
             <a:endParaRPr lang="en-GB"/>
           </a:p>
@@ -279,6 +291,7 @@
           <a:p>
             <a:fld id="{D7B2011F-DB26-4689-9E20-378C13B1A818}" type="slidenum">
               <a:rPr lang="en-GB" smtClean="0"/>
+              <a:pPr/>
               <a:t>‹#›</a:t>
             </a:fld>
             <a:endParaRPr lang="en-GB"/>
@@ -378,7 +391,8 @@
           <a:p>
             <a:fld id="{C303BD5E-F603-431C-B79D-697385AE35AF}" type="datetimeFigureOut">
               <a:rPr lang="en-GB" smtClean="0"/>
-              <a:t>03/03/2016</a:t>
+              <a:pPr/>
+              <a:t>06/03/2016</a:t>
             </a:fld>
             <a:endParaRPr lang="en-GB"/>
           </a:p>
@@ -537,6 +551,7 @@
           <a:p>
             <a:fld id="{DC59FDB4-792A-4C30-B3CA-9A37EF575B96}" type="slidenum">
               <a:rPr lang="en-GB" smtClean="0"/>
+              <a:pPr/>
               <a:t>‹#›</a:t>
             </a:fld>
             <a:endParaRPr lang="en-GB"/>
@@ -5007,6 +5022,7 @@
           <a:p>
             <a:fld id="{06454078-FBCE-4758-9F4C-1C7F78520755}" type="slidenum">
               <a:rPr lang="en-GB" smtClean="0"/>
+              <a:pPr/>
               <a:t>‹#›</a:t>
             </a:fld>
             <a:endParaRPr lang="en-GB"/>
@@ -5394,7 +5410,11 @@
           <a:p>
             <a:r>
               <a:rPr lang="en-US" dirty="0" smtClean="0"/>
-              <a:t>Presented by Damir Alibegovic</a:t>
+              <a:t>Presented by </a:t>
+            </a:r>
+            <a:r>
+              <a:rPr lang="en-US" dirty="0" err="1" smtClean="0"/>
+              <a:t>Tarapana</a:t>
             </a:r>
             <a:endParaRPr lang="en-US" dirty="0"/>
           </a:p>
@@ -5446,8 +5466,8 @@
           <a:lstStyle/>
           <a:p>
             <a:r>
-              <a:rPr lang="en-US" dirty="0" smtClean="0"/>
-              <a:t>Future releases</a:t>
+              <a:rPr lang="en-US" dirty="0"/>
+              <a:t>Technology stack</a:t>
             </a:r>
             <a:endParaRPr lang="en-GB" dirty="0"/>
           </a:p>
@@ -5476,126 +5496,9 @@
           </a:p>
         </p:txBody>
       </p:sp>
-      <p:sp>
-        <p:nvSpPr>
-          <p:cNvPr id="4" name="Content Placeholder 3"/>
-          <p:cNvSpPr>
-            <a:spLocks noGrp="1"/>
-          </p:cNvSpPr>
-          <p:nvPr>
-            <p:ph idx="13"/>
-          </p:nvPr>
-        </p:nvSpPr>
-        <p:spPr>
-          <a:xfrm>
-            <a:off x="810305" y="1643848"/>
-            <a:ext cx="9196337" cy="4399111"/>
-          </a:xfrm>
-        </p:spPr>
-        <p:txBody>
-          <a:bodyPr>
-            <a:normAutofit/>
-          </a:bodyPr>
-          <a:lstStyle/>
-          <a:p>
-            <a:pPr marL="285750" indent="-285750">
-              <a:spcBef>
-                <a:spcPts val="1200"/>
-              </a:spcBef>
-              <a:spcAft>
-                <a:spcPts val="1200"/>
-              </a:spcAft>
-              <a:buFont typeface="Arial" panose="020B0604020202020204" pitchFamily="34" charset="0"/>
-              <a:buChar char="•"/>
-            </a:pPr>
-            <a:r>
-              <a:rPr lang="en-US" sz="2400" dirty="0" smtClean="0"/>
-              <a:t>Adding support for Tweeter and LinkedIn</a:t>
-            </a:r>
-            <a:endParaRPr lang="en-US" sz="2400" dirty="0" smtClean="0"/>
-          </a:p>
-          <a:p>
-            <a:pPr marL="285750" indent="-285750">
-              <a:spcBef>
-                <a:spcPts val="1200"/>
-              </a:spcBef>
-              <a:spcAft>
-                <a:spcPts val="1200"/>
-              </a:spcAft>
-              <a:buFont typeface="Arial" panose="020B0604020202020204" pitchFamily="34" charset="0"/>
-              <a:buChar char="•"/>
-            </a:pPr>
-            <a:r>
-              <a:rPr lang="en-US" sz="2400" dirty="0" smtClean="0"/>
-              <a:t>Extended scope of data from social networks based on research</a:t>
-            </a:r>
-            <a:endParaRPr lang="en-US" sz="2400" dirty="0" smtClean="0"/>
-          </a:p>
-          <a:p>
-            <a:pPr marL="285750" indent="-285750">
-              <a:spcBef>
-                <a:spcPts val="1200"/>
-              </a:spcBef>
-              <a:spcAft>
-                <a:spcPts val="1200"/>
-              </a:spcAft>
-              <a:buFont typeface="Arial" panose="020B0604020202020204" pitchFamily="34" charset="0"/>
-              <a:buChar char="•"/>
-            </a:pPr>
-            <a:r>
-              <a:rPr lang="en-US" sz="2400" dirty="0" smtClean="0"/>
-              <a:t>Different types of analytical reports</a:t>
-            </a:r>
-          </a:p>
-          <a:p>
-            <a:pPr marL="285750" indent="-285750">
-              <a:spcBef>
-                <a:spcPts val="1200"/>
-              </a:spcBef>
-              <a:spcAft>
-                <a:spcPts val="1200"/>
-              </a:spcAft>
-              <a:buFont typeface="Arial" panose="020B0604020202020204" pitchFamily="34" charset="0"/>
-              <a:buChar char="•"/>
-            </a:pPr>
-            <a:r>
-              <a:rPr lang="en-US" sz="2400" dirty="0" smtClean="0"/>
-              <a:t>Configurable analytical reports</a:t>
-            </a:r>
-            <a:endParaRPr lang="en-US" sz="2400" dirty="0" smtClean="0"/>
-          </a:p>
-          <a:p>
-            <a:pPr marL="285750" indent="-285750">
-              <a:spcBef>
-                <a:spcPts val="1200"/>
-              </a:spcBef>
-              <a:spcAft>
-                <a:spcPts val="1200"/>
-              </a:spcAft>
-              <a:buFont typeface="Arial" panose="020B0604020202020204" pitchFamily="34" charset="0"/>
-              <a:buChar char="•"/>
-            </a:pPr>
-            <a:r>
-              <a:rPr lang="en-US" sz="2400" dirty="0" smtClean="0"/>
-              <a:t>Adding post functionality</a:t>
-            </a:r>
-            <a:endParaRPr lang="en-GB" sz="2400" dirty="0" smtClean="0"/>
-          </a:p>
-          <a:p>
-            <a:endParaRPr lang="en-US" sz="2400" b="0" dirty="0">
-              <a:solidFill>
-                <a:schemeClr val="tx1"/>
-              </a:solidFill>
-            </a:endParaRPr>
-          </a:p>
-          <a:p>
-            <a:endParaRPr lang="en-GB" sz="2800" dirty="0"/>
-          </a:p>
-        </p:txBody>
-      </p:sp>
       <p:pic>
         <p:nvPicPr>
-          <p:cNvPr id="6" name="Picture 5"/>
+          <p:cNvPr id="7" name="Picture 6"/>
           <p:cNvPicPr>
             <a:picLocks noChangeAspect="1"/>
           </p:cNvPicPr>
@@ -5615,8 +5518,218 @@
         </p:blipFill>
         <p:spPr>
           <a:xfrm>
-            <a:off x="5924550" y="3031646"/>
-            <a:ext cx="5429250" cy="2571750"/>
+            <a:off x="6571994" y="737465"/>
+            <a:ext cx="3671054" cy="2148563"/>
+          </a:xfrm>
+          <a:prstGeom prst="rect">
+            <a:avLst/>
+          </a:prstGeom>
+        </p:spPr>
+      </p:pic>
+      <p:pic>
+        <p:nvPicPr>
+          <p:cNvPr id="11" name="Picture 10"/>
+          <p:cNvPicPr>
+            <a:picLocks noChangeAspect="1"/>
+          </p:cNvPicPr>
+          <p:nvPr/>
+        </p:nvPicPr>
+        <p:blipFill>
+          <a:blip r:embed="rId3">
+            <a:extLst>
+              <a:ext uri="{28A0092B-C50C-407E-A947-70E740481C1C}">
+                <a14:useLocalDpi xmlns:a14="http://schemas.microsoft.com/office/drawing/2010/main" val="0"/>
+              </a:ext>
+            </a:extLst>
+          </a:blip>
+          <a:stretch>
+            <a:fillRect/>
+          </a:stretch>
+        </p:blipFill>
+        <p:spPr>
+          <a:xfrm>
+            <a:off x="431251" y="3429000"/>
+            <a:ext cx="3923809" cy="1892063"/>
+          </a:xfrm>
+          <a:prstGeom prst="rect">
+            <a:avLst/>
+          </a:prstGeom>
+        </p:spPr>
+      </p:pic>
+      <p:pic>
+        <p:nvPicPr>
+          <p:cNvPr id="12" name="Picture 11"/>
+          <p:cNvPicPr>
+            <a:picLocks noChangeAspect="1"/>
+          </p:cNvPicPr>
+          <p:nvPr/>
+        </p:nvPicPr>
+        <p:blipFill>
+          <a:blip r:embed="rId4">
+            <a:extLst>
+              <a:ext uri="{28A0092B-C50C-407E-A947-70E740481C1C}">
+                <a14:useLocalDpi xmlns:a14="http://schemas.microsoft.com/office/drawing/2010/main" val="0"/>
+              </a:ext>
+            </a:extLst>
+          </a:blip>
+          <a:stretch>
+            <a:fillRect/>
+          </a:stretch>
+        </p:blipFill>
+        <p:spPr>
+          <a:xfrm>
+            <a:off x="994764" y="2867445"/>
+            <a:ext cx="2796782" cy="548688"/>
+          </a:xfrm>
+          <a:prstGeom prst="rect">
+            <a:avLst/>
+          </a:prstGeom>
+        </p:spPr>
+      </p:pic>
+      <p:pic>
+        <p:nvPicPr>
+          <p:cNvPr id="13" name="Picture 12"/>
+          <p:cNvPicPr>
+            <a:picLocks noChangeAspect="1"/>
+          </p:cNvPicPr>
+          <p:nvPr/>
+        </p:nvPicPr>
+        <p:blipFill>
+          <a:blip r:embed="rId5">
+            <a:extLst>
+              <a:ext uri="{28A0092B-C50C-407E-A947-70E740481C1C}">
+                <a14:useLocalDpi xmlns:a14="http://schemas.microsoft.com/office/drawing/2010/main" val="0"/>
+              </a:ext>
+            </a:extLst>
+          </a:blip>
+          <a:stretch>
+            <a:fillRect/>
+          </a:stretch>
+        </p:blipFill>
+        <p:spPr>
+          <a:xfrm>
+            <a:off x="4753102" y="4296719"/>
+            <a:ext cx="1862541" cy="1862541"/>
+          </a:xfrm>
+          <a:prstGeom prst="rect">
+            <a:avLst/>
+          </a:prstGeom>
+        </p:spPr>
+      </p:pic>
+      <p:pic>
+        <p:nvPicPr>
+          <p:cNvPr id="14" name="Picture 13"/>
+          <p:cNvPicPr>
+            <a:picLocks noChangeAspect="1"/>
+          </p:cNvPicPr>
+          <p:nvPr/>
+        </p:nvPicPr>
+        <p:blipFill>
+          <a:blip r:embed="rId6">
+            <a:extLst>
+              <a:ext uri="{28A0092B-C50C-407E-A947-70E740481C1C}">
+                <a14:useLocalDpi xmlns:a14="http://schemas.microsoft.com/office/drawing/2010/main" val="0"/>
+              </a:ext>
+            </a:extLst>
+          </a:blip>
+          <a:stretch>
+            <a:fillRect/>
+          </a:stretch>
+        </p:blipFill>
+        <p:spPr>
+          <a:xfrm>
+            <a:off x="6757358" y="3093147"/>
+            <a:ext cx="2369389" cy="562730"/>
+          </a:xfrm>
+          <a:prstGeom prst="rect">
+            <a:avLst/>
+          </a:prstGeom>
+        </p:spPr>
+      </p:pic>
+      <p:pic>
+        <p:nvPicPr>
+          <p:cNvPr id="15" name="Picture 14"/>
+          <p:cNvPicPr>
+            <a:picLocks noChangeAspect="1"/>
+          </p:cNvPicPr>
+          <p:nvPr/>
+        </p:nvPicPr>
+        <p:blipFill>
+          <a:blip r:embed="rId7">
+            <a:extLst>
+              <a:ext uri="{28A0092B-C50C-407E-A947-70E740481C1C}">
+                <a14:useLocalDpi xmlns:a14="http://schemas.microsoft.com/office/drawing/2010/main" val="0"/>
+              </a:ext>
+            </a:extLst>
+          </a:blip>
+          <a:stretch>
+            <a:fillRect/>
+          </a:stretch>
+        </p:blipFill>
+        <p:spPr>
+          <a:xfrm>
+            <a:off x="7013686" y="3617344"/>
+            <a:ext cx="1515374" cy="1515374"/>
+          </a:xfrm>
+          <a:prstGeom prst="rect">
+            <a:avLst/>
+          </a:prstGeom>
+        </p:spPr>
+      </p:pic>
+      <p:pic>
+        <p:nvPicPr>
+          <p:cNvPr id="16" name="Picture 15"/>
+          <p:cNvPicPr>
+            <a:picLocks noChangeAspect="1"/>
+          </p:cNvPicPr>
+          <p:nvPr/>
+        </p:nvPicPr>
+        <p:blipFill>
+          <a:blip r:embed="rId8">
+            <a:extLst>
+              <a:ext uri="{28A0092B-C50C-407E-A947-70E740481C1C}">
+                <a14:useLocalDpi xmlns:a14="http://schemas.microsoft.com/office/drawing/2010/main" val="0"/>
+              </a:ext>
+            </a:extLst>
+          </a:blip>
+          <a:stretch>
+            <a:fillRect/>
+          </a:stretch>
+        </p:blipFill>
+        <p:spPr>
+          <a:xfrm>
+            <a:off x="9113558" y="4169389"/>
+            <a:ext cx="1659780" cy="1659780"/>
+          </a:xfrm>
+          <a:prstGeom prst="rect">
+            <a:avLst/>
+          </a:prstGeom>
+        </p:spPr>
+      </p:pic>
+      <p:pic>
+        <p:nvPicPr>
+          <p:cNvPr id="17" name="Picture 16"/>
+          <p:cNvPicPr>
+            <a:picLocks noChangeAspect="1"/>
+          </p:cNvPicPr>
+          <p:nvPr/>
+        </p:nvPicPr>
+        <p:blipFill>
+          <a:blip r:embed="rId9">
+            <a:extLst>
+              <a:ext uri="{28A0092B-C50C-407E-A947-70E740481C1C}">
+                <a14:useLocalDpi xmlns:a14="http://schemas.microsoft.com/office/drawing/2010/main" val="0"/>
+              </a:ext>
+            </a:extLst>
+          </a:blip>
+          <a:stretch>
+            <a:fillRect/>
+          </a:stretch>
+        </p:blipFill>
+        <p:spPr>
+          <a:xfrm>
+            <a:off x="747639" y="1101425"/>
+            <a:ext cx="4413551" cy="1173058"/>
           </a:xfrm>
           <a:prstGeom prst="rect">
             <a:avLst/>
@@ -5626,7 +5739,7 @@
     </p:spTree>
     <p:extLst>
       <p:ext uri="{BB962C8B-B14F-4D97-AF65-F5344CB8AC3E}">
-        <p14:creationId xmlns:p14="http://schemas.microsoft.com/office/powerpoint/2010/main" val="2334563225"/>
+        <p14:creationId xmlns:p14="http://schemas.microsoft.com/office/powerpoint/2010/main" val="4266241615"/>
       </p:ext>
     </p:extLst>
   </p:cSld>
@@ -5777,7 +5890,11 @@
             </a:pPr>
             <a:r>
               <a:rPr lang="en-US" sz="2800" dirty="0"/>
-              <a:t>Introduction of the team and product</a:t>
+              <a:t>Introduction of the team and </a:t>
+            </a:r>
+            <a:r>
+              <a:rPr lang="en-US" sz="2800" dirty="0" smtClean="0"/>
+              <a:t>product</a:t>
             </a:r>
           </a:p>
           <a:p>
@@ -5792,12 +5909,8 @@
               <a:buChar char="•"/>
             </a:pPr>
             <a:r>
-              <a:rPr lang="en-US" sz="2800" dirty="0"/>
-              <a:t>Live </a:t>
-            </a:r>
-            <a:r>
               <a:rPr lang="en-US" sz="2800" dirty="0" smtClean="0"/>
-              <a:t>demo</a:t>
+              <a:t>About product</a:t>
             </a:r>
           </a:p>
           <a:p>
@@ -5812,14 +5925,9 @@
               <a:buChar char="•"/>
             </a:pPr>
             <a:r>
-              <a:rPr lang="en-US" sz="2800" dirty="0"/>
-              <a:t>Technology </a:t>
-            </a:r>
-            <a:r>
               <a:rPr lang="en-US" sz="2800" dirty="0" smtClean="0"/>
-              <a:t>stack</a:t>
-            </a:r>
-            <a:endParaRPr lang="en-US" sz="2800" dirty="0"/>
+              <a:t>Main features</a:t>
+            </a:r>
           </a:p>
           <a:p>
             <a:pPr marL="285750" indent="-285750">
@@ -5833,12 +5941,8 @@
               <a:buChar char="•"/>
             </a:pPr>
             <a:r>
-              <a:rPr lang="en-US" sz="2800" dirty="0"/>
-              <a:t>Benefits of using our </a:t>
-            </a:r>
-            <a:r>
               <a:rPr lang="en-US" sz="2800" dirty="0" smtClean="0"/>
-              <a:t>product</a:t>
+              <a:t>Benefits of using our product</a:t>
             </a:r>
             <a:endParaRPr lang="en-US" sz="2800" dirty="0"/>
           </a:p>
@@ -5854,8 +5958,8 @@
               <a:buChar char="•"/>
             </a:pPr>
             <a:r>
-              <a:rPr lang="en-US" sz="2800" dirty="0"/>
-              <a:t>Future plans</a:t>
+              <a:rPr lang="en-US" sz="2800" dirty="0" smtClean="0"/>
+              <a:t>Live demo</a:t>
             </a:r>
           </a:p>
           <a:p>
@@ -5870,9 +5974,27 @@
               <a:buChar char="•"/>
             </a:pPr>
             <a:r>
-              <a:rPr lang="en-US" sz="2800" dirty="0"/>
+              <a:rPr lang="en-US" sz="2800" dirty="0" smtClean="0"/>
+              <a:t>Technology stack</a:t>
+            </a:r>
+            <a:endParaRPr lang="en-US" sz="2800" dirty="0"/>
+          </a:p>
+          <a:p>
+            <a:pPr marL="285750" indent="-285750">
+              <a:spcBef>
+                <a:spcPts val="600"/>
+              </a:spcBef>
+              <a:spcAft>
+                <a:spcPts val="600"/>
+              </a:spcAft>
+              <a:buFont typeface="Arial" panose="020B0604020202020204" pitchFamily="34" charset="0"/>
+              <a:buChar char="•"/>
+            </a:pPr>
+            <a:r>
+              <a:rPr lang="en-US" sz="2800" dirty="0" smtClean="0"/>
               <a:t>Q&amp;A</a:t>
             </a:r>
+            <a:endParaRPr lang="en-US" sz="2800" dirty="0"/>
           </a:p>
           <a:p>
             <a:pPr marL="285750" lvl="1" indent="-285750">
@@ -6399,12 +6521,12 @@
               <a:t>form of business intelligence, used to identify, predict, and respond to consumer </a:t>
             </a:r>
             <a:r>
-              <a:rPr lang="en-US" sz="2000" b="0" dirty="0" err="1">
+              <a:rPr lang="en-US" sz="2000" b="0" dirty="0" smtClean="0">
                 <a:solidFill>
                   <a:schemeClr val="tx1"/>
                 </a:solidFill>
               </a:rPr>
-              <a:t>behaviour</a:t>
+              <a:t>behavior</a:t>
             </a:r>
             <a:endParaRPr lang="en-GB" sz="2000" dirty="0" smtClean="0">
               <a:solidFill>
@@ -6842,7 +6964,7 @@
           <a:p>
             <a:r>
               <a:rPr lang="en-US" dirty="0" smtClean="0"/>
-              <a:t>Live Demo</a:t>
+              <a:t>Main features</a:t>
             </a:r>
             <a:endParaRPr lang="en-GB" dirty="0"/>
           </a:p>
@@ -6871,40 +6993,113 @@
           </a:p>
         </p:txBody>
       </p:sp>
-      <p:pic>
-        <p:nvPicPr>
-          <p:cNvPr id="6" name="Picture 5"/>
-          <p:cNvPicPr>
-            <a:picLocks noChangeAspect="1"/>
-          </p:cNvPicPr>
-          <p:nvPr/>
-        </p:nvPicPr>
-        <p:blipFill>
-          <a:blip r:embed="rId2">
-            <a:extLst>
-              <a:ext uri="{28A0092B-C50C-407E-A947-70E740481C1C}">
-                <a14:useLocalDpi xmlns:a14="http://schemas.microsoft.com/office/drawing/2010/main" val="0"/>
-              </a:ext>
-            </a:extLst>
-          </a:blip>
-          <a:stretch>
-            <a:fillRect/>
-          </a:stretch>
-        </p:blipFill>
-        <p:spPr>
-          <a:xfrm>
-            <a:off x="2648309" y="1555323"/>
-            <a:ext cx="5861241" cy="4550174"/>
-          </a:xfrm>
-          <a:prstGeom prst="rect">
-            <a:avLst/>
-          </a:prstGeom>
-        </p:spPr>
-      </p:pic>
+      <p:sp>
+        <p:nvSpPr>
+          <p:cNvPr id="4" name="Content Placeholder 3"/>
+          <p:cNvSpPr>
+            <a:spLocks noGrp="1"/>
+          </p:cNvSpPr>
+          <p:nvPr>
+            <p:ph idx="13"/>
+          </p:nvPr>
+        </p:nvSpPr>
+        <p:spPr>
+          <a:xfrm>
+            <a:off x="810305" y="1643848"/>
+            <a:ext cx="9196337" cy="4399111"/>
+          </a:xfrm>
+        </p:spPr>
+        <p:txBody>
+          <a:bodyPr>
+            <a:normAutofit/>
+          </a:bodyPr>
+          <a:lstStyle/>
+          <a:p>
+            <a:pPr marL="285750" indent="-285750">
+              <a:spcBef>
+                <a:spcPts val="1200"/>
+              </a:spcBef>
+              <a:spcAft>
+                <a:spcPts val="1200"/>
+              </a:spcAft>
+              <a:buFont typeface="Arial" panose="020B0604020202020204" pitchFamily="34" charset="0"/>
+              <a:buChar char="•"/>
+            </a:pPr>
+            <a:r>
+              <a:rPr lang="en-US" sz="2400" dirty="0" smtClean="0"/>
+              <a:t>Support for </a:t>
+            </a:r>
+            <a:r>
+              <a:rPr lang="en-US" sz="2400" dirty="0" err="1" smtClean="0"/>
+              <a:t>Facebook</a:t>
+            </a:r>
+            <a:r>
+              <a:rPr lang="en-US" sz="2400" dirty="0" smtClean="0"/>
+              <a:t>, Tweeter and LinkedIn</a:t>
+            </a:r>
+          </a:p>
+          <a:p>
+            <a:pPr marL="285750" indent="-285750">
+              <a:spcBef>
+                <a:spcPts val="1200"/>
+              </a:spcBef>
+              <a:spcAft>
+                <a:spcPts val="1200"/>
+              </a:spcAft>
+              <a:buFont typeface="Arial" panose="020B0604020202020204" pitchFamily="34" charset="0"/>
+              <a:buChar char="•"/>
+            </a:pPr>
+            <a:r>
+              <a:rPr lang="en-US" sz="2400" dirty="0" smtClean="0"/>
+              <a:t>Different types of analytical reports</a:t>
+            </a:r>
+          </a:p>
+          <a:p>
+            <a:pPr marL="285750" indent="-285750">
+              <a:spcBef>
+                <a:spcPts val="1200"/>
+              </a:spcBef>
+              <a:spcAft>
+                <a:spcPts val="1200"/>
+              </a:spcAft>
+              <a:buFont typeface="Arial" panose="020B0604020202020204" pitchFamily="34" charset="0"/>
+              <a:buChar char="•"/>
+            </a:pPr>
+            <a:r>
+              <a:rPr lang="en-US" sz="2400" dirty="0" smtClean="0"/>
+              <a:t>Configurable analytical reports</a:t>
+            </a:r>
+          </a:p>
+          <a:p>
+            <a:pPr marL="285750" indent="-285750">
+              <a:spcBef>
+                <a:spcPts val="1200"/>
+              </a:spcBef>
+              <a:spcAft>
+                <a:spcPts val="1200"/>
+              </a:spcAft>
+              <a:buFont typeface="Arial" panose="020B0604020202020204" pitchFamily="34" charset="0"/>
+              <a:buChar char="•"/>
+            </a:pPr>
+            <a:r>
+              <a:rPr lang="en-US" sz="2400" dirty="0" smtClean="0"/>
+              <a:t>One channel to rule them all</a:t>
+            </a:r>
+            <a:endParaRPr lang="en-US" sz="2400" b="0" dirty="0">
+              <a:solidFill>
+                <a:schemeClr val="tx1"/>
+              </a:solidFill>
+            </a:endParaRPr>
+          </a:p>
+          <a:p>
+            <a:endParaRPr lang="en-GB" sz="2800" dirty="0"/>
+          </a:p>
+        </p:txBody>
+      </p:sp>
     </p:spTree>
     <p:extLst>
       <p:ext uri="{BB962C8B-B14F-4D97-AF65-F5344CB8AC3E}">
-        <p14:creationId xmlns:p14="http://schemas.microsoft.com/office/powerpoint/2010/main" val="1473280963"/>
+        <p14:creationId xmlns:p14="http://schemas.microsoft.com/office/powerpoint/2010/main" val="2334563225"/>
       </p:ext>
     </p:extLst>
   </p:cSld>
@@ -6948,7 +7143,7 @@
           <a:p>
             <a:r>
               <a:rPr lang="en-US" dirty="0" smtClean="0"/>
-              <a:t>Technology stack</a:t>
+              <a:t>Benefits</a:t>
             </a:r>
             <a:endParaRPr lang="en-GB" dirty="0"/>
           </a:p>
@@ -6989,8 +7184,8 @@
         </p:nvSpPr>
         <p:spPr>
           <a:xfrm>
-            <a:off x="810303" y="1617969"/>
-            <a:ext cx="5719893" cy="2574470"/>
+            <a:off x="810305" y="1643848"/>
+            <a:ext cx="7160505" cy="4399111"/>
           </a:xfrm>
         </p:spPr>
         <p:txBody>
@@ -6999,241 +7194,91 @@
           </a:bodyPr>
           <a:lstStyle/>
           <a:p>
-            <a:r>
-              <a:rPr lang="en-GB" sz="2800" dirty="0" smtClean="0"/>
-              <a:t>MongoDB</a:t>
-            </a:r>
-          </a:p>
-          <a:p>
-            <a:pPr marL="342900" indent="-342900">
+            <a:pPr marL="285750" indent="-285750">
               <a:spcBef>
                 <a:spcPts val="1200"/>
               </a:spcBef>
               <a:spcAft>
-                <a:spcPts val="600"/>
+                <a:spcPts val="1200"/>
               </a:spcAft>
               <a:buFont typeface="Arial" panose="020B0604020202020204" pitchFamily="34" charset="0"/>
               <a:buChar char="•"/>
             </a:pPr>
             <a:r>
-              <a:rPr lang="en-US" sz="2400" b="0" dirty="0">
-                <a:solidFill>
-                  <a:schemeClr val="tx1"/>
-                </a:solidFill>
-              </a:rPr>
-              <a:t>H</a:t>
-            </a:r>
-            <a:r>
-              <a:rPr lang="en-US" sz="2400" b="0" dirty="0" smtClean="0">
-                <a:solidFill>
-                  <a:schemeClr val="tx1"/>
-                </a:solidFill>
-              </a:rPr>
-              <a:t>igh </a:t>
-            </a:r>
-            <a:r>
-              <a:rPr lang="en-US" sz="2400" b="0" dirty="0">
-                <a:solidFill>
-                  <a:schemeClr val="tx1"/>
-                </a:solidFill>
-              </a:rPr>
-              <a:t>insert rate over transaction </a:t>
-            </a:r>
-            <a:r>
-              <a:rPr lang="en-US" sz="2400" b="0" dirty="0" smtClean="0">
-                <a:solidFill>
-                  <a:schemeClr val="tx1"/>
-                </a:solidFill>
-              </a:rPr>
-              <a:t>safety</a:t>
-            </a:r>
-          </a:p>
-          <a:p>
-            <a:pPr marL="342900" indent="-342900">
+              <a:rPr lang="en-US" sz="2400" dirty="0"/>
+              <a:t>The reasons behind developing the </a:t>
+            </a:r>
+            <a:r>
+              <a:rPr lang="en-US" sz="2400" dirty="0" smtClean="0"/>
+              <a:t>solution</a:t>
+            </a:r>
+          </a:p>
+          <a:p>
+            <a:pPr marL="285750" indent="-285750">
               <a:spcBef>
-                <a:spcPts val="600"/>
+                <a:spcPts val="1200"/>
               </a:spcBef>
               <a:spcAft>
-                <a:spcPts val="600"/>
+                <a:spcPts val="1200"/>
               </a:spcAft>
               <a:buFont typeface="Arial" panose="020B0604020202020204" pitchFamily="34" charset="0"/>
               <a:buChar char="•"/>
             </a:pPr>
             <a:r>
-              <a:rPr lang="en-US" sz="2400" b="0" dirty="0" smtClean="0">
-                <a:solidFill>
-                  <a:schemeClr val="tx1"/>
-                </a:solidFill>
-              </a:rPr>
-              <a:t>Database scaling</a:t>
-            </a:r>
-          </a:p>
-          <a:p>
-            <a:pPr marL="342900" indent="-342900">
+              <a:rPr lang="en-US" sz="2400" dirty="0" smtClean="0"/>
+              <a:t>Who will benefit from </a:t>
+            </a:r>
+            <a:r>
+              <a:rPr lang="en-US" sz="2400" dirty="0" smtClean="0"/>
+              <a:t>it</a:t>
+            </a:r>
+          </a:p>
+          <a:p>
+            <a:pPr marL="285750" indent="-285750">
               <a:spcBef>
-                <a:spcPts val="600"/>
+                <a:spcPts val="1200"/>
               </a:spcBef>
               <a:spcAft>
-                <a:spcPts val="600"/>
+                <a:spcPts val="1200"/>
               </a:spcAft>
               <a:buFont typeface="Arial" panose="020B0604020202020204" pitchFamily="34" charset="0"/>
               <a:buChar char="•"/>
             </a:pPr>
             <a:r>
-              <a:rPr lang="en-US" sz="2400" b="0" dirty="0">
-                <a:solidFill>
-                  <a:schemeClr val="tx1"/>
-                </a:solidFill>
-              </a:rPr>
-              <a:t>Data is </a:t>
-            </a:r>
-            <a:r>
-              <a:rPr lang="en-US" sz="2400" b="0" dirty="0" smtClean="0">
-                <a:solidFill>
-                  <a:schemeClr val="tx1"/>
-                </a:solidFill>
-              </a:rPr>
-              <a:t>location </a:t>
-            </a:r>
-            <a:r>
-              <a:rPr lang="en-US" sz="2400" b="0" dirty="0">
-                <a:solidFill>
-                  <a:schemeClr val="tx1"/>
-                </a:solidFill>
-              </a:rPr>
-              <a:t>b</a:t>
-            </a:r>
-            <a:r>
-              <a:rPr lang="en-US" sz="2400" b="0" dirty="0" smtClean="0">
-                <a:solidFill>
-                  <a:schemeClr val="tx1"/>
-                </a:solidFill>
-              </a:rPr>
-              <a:t>ased</a:t>
-            </a:r>
-            <a:endParaRPr lang="en-US" sz="2400" b="0" dirty="0">
-              <a:solidFill>
-                <a:schemeClr val="tx1"/>
-              </a:solidFill>
-            </a:endParaRPr>
-          </a:p>
-          <a:p>
-            <a:pPr marL="342900" indent="-342900">
+              <a:rPr lang="en-US" sz="2400" dirty="0"/>
+              <a:t>Performance/productivity </a:t>
+            </a:r>
+            <a:r>
+              <a:rPr lang="en-US" sz="2400" dirty="0" smtClean="0"/>
+              <a:t>improvements</a:t>
+            </a:r>
+            <a:endParaRPr lang="en-US" sz="2400" dirty="0" smtClean="0"/>
+          </a:p>
+          <a:p>
+            <a:pPr marL="285750" indent="-285750">
               <a:spcBef>
-                <a:spcPts val="600"/>
+                <a:spcPts val="1200"/>
               </a:spcBef>
               <a:spcAft>
-                <a:spcPts val="600"/>
+                <a:spcPts val="1200"/>
               </a:spcAft>
               <a:buFont typeface="Arial" panose="020B0604020202020204" pitchFamily="34" charset="0"/>
               <a:buChar char="•"/>
             </a:pPr>
             <a:r>
-              <a:rPr lang="en-US" sz="2400" b="0" dirty="0">
-                <a:solidFill>
-                  <a:schemeClr val="tx1"/>
-                </a:solidFill>
-              </a:rPr>
-              <a:t>L</a:t>
-            </a:r>
-            <a:r>
-              <a:rPr lang="en-US" sz="2400" b="0" dirty="0" smtClean="0">
-                <a:solidFill>
-                  <a:schemeClr val="tx1"/>
-                </a:solidFill>
-              </a:rPr>
-              <a:t>oad </a:t>
-            </a:r>
-            <a:r>
-              <a:rPr lang="en-US" sz="2400" b="0" dirty="0">
-                <a:solidFill>
-                  <a:schemeClr val="tx1"/>
-                </a:solidFill>
-              </a:rPr>
-              <a:t>and </a:t>
-            </a:r>
-            <a:r>
-              <a:rPr lang="en-US" sz="2400" b="0" dirty="0" smtClean="0">
-                <a:solidFill>
-                  <a:schemeClr val="tx1"/>
-                </a:solidFill>
-              </a:rPr>
-              <a:t>performance advantage</a:t>
-            </a:r>
-          </a:p>
-          <a:p>
-            <a:endParaRPr lang="en-GB" sz="2400" dirty="0">
-              <a:solidFill>
-                <a:schemeClr val="tx1"/>
-              </a:solidFill>
-            </a:endParaRPr>
+              <a:rPr lang="en-US" sz="2400" dirty="0" smtClean="0"/>
+              <a:t>Financial benefits</a:t>
+            </a:r>
+          </a:p>
+          <a:p>
+            <a:endParaRPr lang="en-GB" sz="2800" dirty="0"/>
           </a:p>
         </p:txBody>
       </p:sp>
-      <p:pic>
-        <p:nvPicPr>
-          <p:cNvPr id="5" name="Picture 4"/>
-          <p:cNvPicPr>
-            <a:picLocks noChangeAspect="1"/>
-          </p:cNvPicPr>
-          <p:nvPr/>
-        </p:nvPicPr>
-        <p:blipFill>
-          <a:blip r:embed="rId2">
-            <a:extLst>
-              <a:ext uri="{28A0092B-C50C-407E-A947-70E740481C1C}">
-                <a14:useLocalDpi xmlns:a14="http://schemas.microsoft.com/office/drawing/2010/main" val="0"/>
-              </a:ext>
-            </a:extLst>
-          </a:blip>
-          <a:stretch>
-            <a:fillRect/>
-          </a:stretch>
-        </p:blipFill>
-        <p:spPr>
-          <a:xfrm>
-            <a:off x="6244484" y="1038093"/>
-            <a:ext cx="5780739" cy="4193137"/>
-          </a:xfrm>
-          <a:prstGeom prst="rect">
-            <a:avLst/>
-          </a:prstGeom>
-        </p:spPr>
-      </p:pic>
-      <p:pic>
-        <p:nvPicPr>
-          <p:cNvPr id="6" name="Picture 5"/>
-          <p:cNvPicPr>
-            <a:picLocks noChangeAspect="1"/>
-          </p:cNvPicPr>
-          <p:nvPr/>
-        </p:nvPicPr>
-        <p:blipFill>
-          <a:blip r:embed="rId3">
-            <a:extLst>
-              <a:ext uri="{28A0092B-C50C-407E-A947-70E740481C1C}">
-                <a14:useLocalDpi xmlns:a14="http://schemas.microsoft.com/office/drawing/2010/main" val="0"/>
-              </a:ext>
-            </a:extLst>
-          </a:blip>
-          <a:stretch>
-            <a:fillRect/>
-          </a:stretch>
-        </p:blipFill>
-        <p:spPr>
-          <a:xfrm>
-            <a:off x="2040438" y="3927035"/>
-            <a:ext cx="4625716" cy="2608390"/>
-          </a:xfrm>
-          <a:prstGeom prst="rect">
-            <a:avLst/>
-          </a:prstGeom>
-        </p:spPr>
-      </p:pic>
     </p:spTree>
     <p:extLst>
       <p:ext uri="{BB962C8B-B14F-4D97-AF65-F5344CB8AC3E}">
-        <p14:creationId xmlns:p14="http://schemas.microsoft.com/office/powerpoint/2010/main" val="599643991"/>
+        <p14:creationId xmlns:p14="http://schemas.microsoft.com/office/powerpoint/2010/main" val="682331408"/>
       </p:ext>
     </p:extLst>
   </p:cSld>
@@ -7276,8 +7321,8 @@
           <a:lstStyle/>
           <a:p>
             <a:r>
-              <a:rPr lang="en-US" dirty="0"/>
-              <a:t>Technology stack</a:t>
+              <a:rPr lang="en-US" dirty="0" smtClean="0"/>
+              <a:t>Live Demo</a:t>
             </a:r>
             <a:endParaRPr lang="en-GB" dirty="0"/>
           </a:p>
@@ -7308,7 +7353,7 @@
       </p:sp>
       <p:pic>
         <p:nvPicPr>
-          <p:cNvPr id="7" name="Picture 6"/>
+          <p:cNvPr id="6" name="Picture 5"/>
           <p:cNvPicPr>
             <a:picLocks noChangeAspect="1"/>
           </p:cNvPicPr>
@@ -7328,248 +7373,8 @@
         </p:blipFill>
         <p:spPr>
           <a:xfrm>
-            <a:off x="4521103" y="737465"/>
-            <a:ext cx="3671054" cy="2148563"/>
-          </a:xfrm>
-          <a:prstGeom prst="rect">
-            <a:avLst/>
-          </a:prstGeom>
-        </p:spPr>
-      </p:pic>
-      <p:pic>
-        <p:nvPicPr>
-          <p:cNvPr id="8" name="Picture 7"/>
-          <p:cNvPicPr>
-            <a:picLocks noChangeAspect="1"/>
-          </p:cNvPicPr>
-          <p:nvPr/>
-        </p:nvPicPr>
-        <p:blipFill>
-          <a:blip r:embed="rId3">
-            <a:extLst>
-              <a:ext uri="{28A0092B-C50C-407E-A947-70E740481C1C}">
-                <a14:useLocalDpi xmlns:a14="http://schemas.microsoft.com/office/drawing/2010/main" val="0"/>
-              </a:ext>
-            </a:extLst>
-          </a:blip>
-          <a:stretch>
-            <a:fillRect/>
-          </a:stretch>
-        </p:blipFill>
-        <p:spPr>
-          <a:xfrm>
-            <a:off x="8529060" y="1811746"/>
-            <a:ext cx="3533326" cy="1110473"/>
-          </a:xfrm>
-          <a:prstGeom prst="rect">
-            <a:avLst/>
-          </a:prstGeom>
-        </p:spPr>
-      </p:pic>
-      <p:pic>
-        <p:nvPicPr>
-          <p:cNvPr id="11" name="Picture 10"/>
-          <p:cNvPicPr>
-            <a:picLocks noChangeAspect="1"/>
-          </p:cNvPicPr>
-          <p:nvPr/>
-        </p:nvPicPr>
-        <p:blipFill>
-          <a:blip r:embed="rId4">
-            <a:extLst>
-              <a:ext uri="{28A0092B-C50C-407E-A947-70E740481C1C}">
-                <a14:useLocalDpi xmlns:a14="http://schemas.microsoft.com/office/drawing/2010/main" val="0"/>
-              </a:ext>
-            </a:extLst>
-          </a:blip>
-          <a:stretch>
-            <a:fillRect/>
-          </a:stretch>
-        </p:blipFill>
-        <p:spPr>
-          <a:xfrm>
-            <a:off x="431251" y="3429000"/>
-            <a:ext cx="3923809" cy="1892063"/>
-          </a:xfrm>
-          <a:prstGeom prst="rect">
-            <a:avLst/>
-          </a:prstGeom>
-        </p:spPr>
-      </p:pic>
-      <p:pic>
-        <p:nvPicPr>
-          <p:cNvPr id="12" name="Picture 11"/>
-          <p:cNvPicPr>
-            <a:picLocks noChangeAspect="1"/>
-          </p:cNvPicPr>
-          <p:nvPr/>
-        </p:nvPicPr>
-        <p:blipFill>
-          <a:blip r:embed="rId5">
-            <a:extLst>
-              <a:ext uri="{28A0092B-C50C-407E-A947-70E740481C1C}">
-                <a14:useLocalDpi xmlns:a14="http://schemas.microsoft.com/office/drawing/2010/main" val="0"/>
-              </a:ext>
-            </a:extLst>
-          </a:blip>
-          <a:stretch>
-            <a:fillRect/>
-          </a:stretch>
-        </p:blipFill>
-        <p:spPr>
-          <a:xfrm>
-            <a:off x="994764" y="2867445"/>
-            <a:ext cx="2796782" cy="548688"/>
-          </a:xfrm>
-          <a:prstGeom prst="rect">
-            <a:avLst/>
-          </a:prstGeom>
-        </p:spPr>
-      </p:pic>
-      <p:pic>
-        <p:nvPicPr>
-          <p:cNvPr id="13" name="Picture 12"/>
-          <p:cNvPicPr>
-            <a:picLocks noChangeAspect="1"/>
-          </p:cNvPicPr>
-          <p:nvPr/>
-        </p:nvPicPr>
-        <p:blipFill>
-          <a:blip r:embed="rId6">
-            <a:extLst>
-              <a:ext uri="{28A0092B-C50C-407E-A947-70E740481C1C}">
-                <a14:useLocalDpi xmlns:a14="http://schemas.microsoft.com/office/drawing/2010/main" val="0"/>
-              </a:ext>
-            </a:extLst>
-          </a:blip>
-          <a:stretch>
-            <a:fillRect/>
-          </a:stretch>
-        </p:blipFill>
-        <p:spPr>
-          <a:xfrm>
-            <a:off x="4753102" y="4296719"/>
-            <a:ext cx="1862541" cy="1862541"/>
-          </a:xfrm>
-          <a:prstGeom prst="rect">
-            <a:avLst/>
-          </a:prstGeom>
-        </p:spPr>
-      </p:pic>
-      <p:pic>
-        <p:nvPicPr>
-          <p:cNvPr id="14" name="Picture 13"/>
-          <p:cNvPicPr>
-            <a:picLocks noChangeAspect="1"/>
-          </p:cNvPicPr>
-          <p:nvPr/>
-        </p:nvPicPr>
-        <p:blipFill>
-          <a:blip r:embed="rId7">
-            <a:extLst>
-              <a:ext uri="{28A0092B-C50C-407E-A947-70E740481C1C}">
-                <a14:useLocalDpi xmlns:a14="http://schemas.microsoft.com/office/drawing/2010/main" val="0"/>
-              </a:ext>
-            </a:extLst>
-          </a:blip>
-          <a:stretch>
-            <a:fillRect/>
-          </a:stretch>
-        </p:blipFill>
-        <p:spPr>
-          <a:xfrm>
-            <a:off x="6757358" y="3093147"/>
-            <a:ext cx="2369389" cy="562730"/>
-          </a:xfrm>
-          <a:prstGeom prst="rect">
-            <a:avLst/>
-          </a:prstGeom>
-        </p:spPr>
-      </p:pic>
-      <p:pic>
-        <p:nvPicPr>
-          <p:cNvPr id="15" name="Picture 14"/>
-          <p:cNvPicPr>
-            <a:picLocks noChangeAspect="1"/>
-          </p:cNvPicPr>
-          <p:nvPr/>
-        </p:nvPicPr>
-        <p:blipFill>
-          <a:blip r:embed="rId8">
-            <a:extLst>
-              <a:ext uri="{28A0092B-C50C-407E-A947-70E740481C1C}">
-                <a14:useLocalDpi xmlns:a14="http://schemas.microsoft.com/office/drawing/2010/main" val="0"/>
-              </a:ext>
-            </a:extLst>
-          </a:blip>
-          <a:stretch>
-            <a:fillRect/>
-          </a:stretch>
-        </p:blipFill>
-        <p:spPr>
-          <a:xfrm>
-            <a:off x="7013686" y="3617344"/>
-            <a:ext cx="1515374" cy="1515374"/>
-          </a:xfrm>
-          <a:prstGeom prst="rect">
-            <a:avLst/>
-          </a:prstGeom>
-        </p:spPr>
-      </p:pic>
-      <p:pic>
-        <p:nvPicPr>
-          <p:cNvPr id="16" name="Picture 15"/>
-          <p:cNvPicPr>
-            <a:picLocks noChangeAspect="1"/>
-          </p:cNvPicPr>
-          <p:nvPr/>
-        </p:nvPicPr>
-        <p:blipFill>
-          <a:blip r:embed="rId9">
-            <a:extLst>
-              <a:ext uri="{28A0092B-C50C-407E-A947-70E740481C1C}">
-                <a14:useLocalDpi xmlns:a14="http://schemas.microsoft.com/office/drawing/2010/main" val="0"/>
-              </a:ext>
-            </a:extLst>
-          </a:blip>
-          <a:stretch>
-            <a:fillRect/>
-          </a:stretch>
-        </p:blipFill>
-        <p:spPr>
-          <a:xfrm>
-            <a:off x="9113558" y="4169389"/>
-            <a:ext cx="1659780" cy="1659780"/>
-          </a:xfrm>
-          <a:prstGeom prst="rect">
-            <a:avLst/>
-          </a:prstGeom>
-        </p:spPr>
-      </p:pic>
-      <p:pic>
-        <p:nvPicPr>
-          <p:cNvPr id="17" name="Picture 16"/>
-          <p:cNvPicPr>
-            <a:picLocks noChangeAspect="1"/>
-          </p:cNvPicPr>
-          <p:nvPr/>
-        </p:nvPicPr>
-        <p:blipFill>
-          <a:blip r:embed="rId10">
-            <a:extLst>
-              <a:ext uri="{28A0092B-C50C-407E-A947-70E740481C1C}">
-                <a14:useLocalDpi xmlns:a14="http://schemas.microsoft.com/office/drawing/2010/main" val="0"/>
-              </a:ext>
-            </a:extLst>
-          </a:blip>
-          <a:stretch>
-            <a:fillRect/>
-          </a:stretch>
-        </p:blipFill>
-        <p:spPr>
-          <a:xfrm>
-            <a:off x="107552" y="1101425"/>
-            <a:ext cx="4413551" cy="1173058"/>
+            <a:off x="2648309" y="1555323"/>
+            <a:ext cx="5861241" cy="4550174"/>
           </a:xfrm>
           <a:prstGeom prst="rect">
             <a:avLst/>
@@ -7579,7 +7384,7 @@
     </p:spTree>
     <p:extLst>
       <p:ext uri="{BB962C8B-B14F-4D97-AF65-F5344CB8AC3E}">
-        <p14:creationId xmlns:p14="http://schemas.microsoft.com/office/powerpoint/2010/main" val="4266241615"/>
+        <p14:creationId xmlns:p14="http://schemas.microsoft.com/office/powerpoint/2010/main" val="1473280963"/>
       </p:ext>
     </p:extLst>
   </p:cSld>
@@ -7623,7 +7428,7 @@
           <a:p>
             <a:r>
               <a:rPr lang="en-US" dirty="0" smtClean="0"/>
-              <a:t>Benefits</a:t>
+              <a:t>Technology stack</a:t>
             </a:r>
             <a:endParaRPr lang="en-GB" dirty="0"/>
           </a:p>
@@ -7664,8 +7469,8 @@
         </p:nvSpPr>
         <p:spPr>
           <a:xfrm>
-            <a:off x="810305" y="1643848"/>
-            <a:ext cx="7160505" cy="4399111"/>
+            <a:off x="810303" y="1617969"/>
+            <a:ext cx="5719893" cy="2574470"/>
           </a:xfrm>
         </p:spPr>
         <p:txBody>
@@ -7674,91 +7479,118 @@
           </a:bodyPr>
           <a:lstStyle/>
           <a:p>
-            <a:pPr marL="285750" indent="-285750">
+            <a:r>
+              <a:rPr lang="en-GB" sz="2800" dirty="0" smtClean="0"/>
+              <a:t>MongoDB</a:t>
+            </a:r>
+          </a:p>
+          <a:p>
+            <a:pPr marL="342900" indent="-342900">
               <a:spcBef>
                 <a:spcPts val="1200"/>
               </a:spcBef>
               <a:spcAft>
-                <a:spcPts val="1200"/>
+                <a:spcPts val="600"/>
               </a:spcAft>
               <a:buFont typeface="Arial" panose="020B0604020202020204" pitchFamily="34" charset="0"/>
               <a:buChar char="•"/>
             </a:pPr>
             <a:r>
-              <a:rPr lang="en-US" sz="2400" dirty="0"/>
-              <a:t>The reasons behind developing the </a:t>
-            </a:r>
-            <a:r>
-              <a:rPr lang="en-US" sz="2400" dirty="0" smtClean="0"/>
-              <a:t>solution</a:t>
-            </a:r>
-          </a:p>
-          <a:p>
-            <a:pPr marL="285750" indent="-285750">
+              <a:rPr lang="en-US" sz="2400" b="0" dirty="0">
+                <a:solidFill>
+                  <a:schemeClr val="tx1"/>
+                </a:solidFill>
+              </a:rPr>
+              <a:t>H</a:t>
+            </a:r>
+            <a:r>
+              <a:rPr lang="en-US" sz="2400" b="0" dirty="0" smtClean="0">
+                <a:solidFill>
+                  <a:schemeClr val="tx1"/>
+                </a:solidFill>
+              </a:rPr>
+              <a:t>igh </a:t>
+            </a:r>
+            <a:r>
+              <a:rPr lang="en-US" sz="2400" b="0" dirty="0">
+                <a:solidFill>
+                  <a:schemeClr val="tx1"/>
+                </a:solidFill>
+              </a:rPr>
+              <a:t>insert rate over transaction </a:t>
+            </a:r>
+            <a:r>
+              <a:rPr lang="en-US" sz="2400" b="0" dirty="0" smtClean="0">
+                <a:solidFill>
+                  <a:schemeClr val="tx1"/>
+                </a:solidFill>
+              </a:rPr>
+              <a:t>safety</a:t>
+            </a:r>
+          </a:p>
+          <a:p>
+            <a:pPr marL="342900" indent="-342900">
               <a:spcBef>
-                <a:spcPts val="1200"/>
+                <a:spcPts val="600"/>
               </a:spcBef>
               <a:spcAft>
-                <a:spcPts val="1200"/>
+                <a:spcPts val="600"/>
               </a:spcAft>
               <a:buFont typeface="Arial" panose="020B0604020202020204" pitchFamily="34" charset="0"/>
               <a:buChar char="•"/>
             </a:pPr>
             <a:r>
-              <a:rPr lang="en-US" sz="2400" dirty="0" smtClean="0"/>
-              <a:t>Who will benefit from it (target market)</a:t>
-            </a:r>
-          </a:p>
-          <a:p>
-            <a:pPr marL="285750" indent="-285750">
+              <a:rPr lang="en-US" sz="2400" b="0" dirty="0" smtClean="0">
+                <a:solidFill>
+                  <a:schemeClr val="tx1"/>
+                </a:solidFill>
+              </a:rPr>
+              <a:t>Database scaling</a:t>
+            </a:r>
+          </a:p>
+          <a:p>
+            <a:pPr marL="342900" indent="-342900">
               <a:spcBef>
-                <a:spcPts val="1200"/>
+                <a:spcPts val="600"/>
               </a:spcBef>
               <a:spcAft>
-                <a:spcPts val="1200"/>
+                <a:spcPts val="600"/>
               </a:spcAft>
               <a:buFont typeface="Arial" panose="020B0604020202020204" pitchFamily="34" charset="0"/>
               <a:buChar char="•"/>
             </a:pPr>
             <a:r>
-              <a:rPr lang="en-US" sz="2400" dirty="0" smtClean="0"/>
-              <a:t>Financial benefits</a:t>
-            </a:r>
-          </a:p>
-          <a:p>
-            <a:pPr marL="285750" indent="-285750">
-              <a:spcBef>
-                <a:spcPts val="1200"/>
-              </a:spcBef>
-              <a:spcAft>
-                <a:spcPts val="1200"/>
-              </a:spcAft>
-              <a:buFont typeface="Arial" panose="020B0604020202020204" pitchFamily="34" charset="0"/>
-              <a:buChar char="•"/>
-            </a:pPr>
-            <a:r>
-              <a:rPr lang="en-US" sz="2400" dirty="0" smtClean="0"/>
-              <a:t>Performance/productivity improvements</a:t>
-            </a:r>
-          </a:p>
-          <a:p>
-            <a:pPr marL="285750" indent="-285750">
-              <a:spcBef>
-                <a:spcPts val="1200"/>
-              </a:spcBef>
-              <a:spcAft>
-                <a:spcPts val="1200"/>
-              </a:spcAft>
-              <a:buFont typeface="Arial" panose="020B0604020202020204" pitchFamily="34" charset="0"/>
-              <a:buChar char="•"/>
-            </a:pPr>
-            <a:r>
-              <a:rPr lang="en-US" sz="2400" dirty="0" smtClean="0"/>
-              <a:t>Other benefits (ex. Life improvement)</a:t>
-            </a:r>
-            <a:endParaRPr lang="en-GB" sz="2400" dirty="0" smtClean="0"/>
-          </a:p>
-          <a:p>
+              <a:rPr lang="en-US" sz="2400" b="0" dirty="0">
+                <a:solidFill>
+                  <a:schemeClr val="tx1"/>
+                </a:solidFill>
+              </a:rPr>
+              <a:t>Data is </a:t>
+            </a:r>
+            <a:r>
+              <a:rPr lang="en-US" sz="2400" b="0" dirty="0" smtClean="0">
+                <a:solidFill>
+                  <a:schemeClr val="tx1"/>
+                </a:solidFill>
+              </a:rPr>
+              <a:t>location </a:t>
+            </a:r>
+            <a:r>
+              <a:rPr lang="en-US" sz="2400" b="0" dirty="0">
+                <a:solidFill>
+                  <a:schemeClr val="tx1"/>
+                </a:solidFill>
+              </a:rPr>
+              <a:t>b</a:t>
+            </a:r>
+            <a:r>
+              <a:rPr lang="en-US" sz="2400" b="0" dirty="0" smtClean="0">
+                <a:solidFill>
+                  <a:schemeClr val="tx1"/>
+                </a:solidFill>
+              </a:rPr>
+              <a:t>ased</a:t>
+            </a:r>
             <a:endParaRPr lang="en-US" sz="2400" b="0" dirty="0">
               <a:solidFill>
                 <a:schemeClr val="tx1"/>
@@ -7766,14 +7598,122 @@
             </a:endParaRPr>
           </a:p>
           <a:p>
-            <a:endParaRPr lang="en-GB" sz="2800" dirty="0"/>
+            <a:pPr marL="342900" indent="-342900">
+              <a:spcBef>
+                <a:spcPts val="600"/>
+              </a:spcBef>
+              <a:spcAft>
+                <a:spcPts val="600"/>
+              </a:spcAft>
+              <a:buFont typeface="Arial" panose="020B0604020202020204" pitchFamily="34" charset="0"/>
+              <a:buChar char="•"/>
+            </a:pPr>
+            <a:r>
+              <a:rPr lang="en-US" sz="2400" b="0" dirty="0">
+                <a:solidFill>
+                  <a:schemeClr val="tx1"/>
+                </a:solidFill>
+              </a:rPr>
+              <a:t>L</a:t>
+            </a:r>
+            <a:r>
+              <a:rPr lang="en-US" sz="2400" b="0" dirty="0" smtClean="0">
+                <a:solidFill>
+                  <a:schemeClr val="tx1"/>
+                </a:solidFill>
+              </a:rPr>
+              <a:t>oad </a:t>
+            </a:r>
+            <a:r>
+              <a:rPr lang="en-US" sz="2400" b="0" dirty="0">
+                <a:solidFill>
+                  <a:schemeClr val="tx1"/>
+                </a:solidFill>
+              </a:rPr>
+              <a:t>and </a:t>
+            </a:r>
+            <a:r>
+              <a:rPr lang="en-US" sz="2400" b="0" dirty="0" smtClean="0">
+                <a:solidFill>
+                  <a:schemeClr val="tx1"/>
+                </a:solidFill>
+              </a:rPr>
+              <a:t>performance advantage</a:t>
+            </a:r>
+          </a:p>
+          <a:p>
+            <a:endParaRPr lang="en-GB" sz="2400" dirty="0">
+              <a:solidFill>
+                <a:schemeClr val="tx1"/>
+              </a:solidFill>
+            </a:endParaRPr>
           </a:p>
         </p:txBody>
       </p:sp>
+      <p:pic>
+        <p:nvPicPr>
+          <p:cNvPr id="5" name="Picture 4"/>
+          <p:cNvPicPr>
+            <a:picLocks noChangeAspect="1"/>
+          </p:cNvPicPr>
+          <p:nvPr/>
+        </p:nvPicPr>
+        <p:blipFill>
+          <a:blip r:embed="rId2">
+            <a:extLst>
+              <a:ext uri="{28A0092B-C50C-407E-A947-70E740481C1C}">
+                <a14:useLocalDpi xmlns:a14="http://schemas.microsoft.com/office/drawing/2010/main" val="0"/>
+              </a:ext>
+            </a:extLst>
+          </a:blip>
+          <a:stretch>
+            <a:fillRect/>
+          </a:stretch>
+        </p:blipFill>
+        <p:spPr>
+          <a:xfrm>
+            <a:off x="6244484" y="1038093"/>
+            <a:ext cx="5780739" cy="4193137"/>
+          </a:xfrm>
+          <a:prstGeom prst="rect">
+            <a:avLst/>
+          </a:prstGeom>
+        </p:spPr>
+      </p:pic>
+      <p:pic>
+        <p:nvPicPr>
+          <p:cNvPr id="6" name="Picture 5"/>
+          <p:cNvPicPr>
+            <a:picLocks noChangeAspect="1"/>
+          </p:cNvPicPr>
+          <p:nvPr/>
+        </p:nvPicPr>
+        <p:blipFill>
+          <a:blip r:embed="rId3">
+            <a:extLst>
+              <a:ext uri="{28A0092B-C50C-407E-A947-70E740481C1C}">
+                <a14:useLocalDpi xmlns:a14="http://schemas.microsoft.com/office/drawing/2010/main" val="0"/>
+              </a:ext>
+            </a:extLst>
+          </a:blip>
+          <a:stretch>
+            <a:fillRect/>
+          </a:stretch>
+        </p:blipFill>
+        <p:spPr>
+          <a:xfrm>
+            <a:off x="2040438" y="3927035"/>
+            <a:ext cx="4625716" cy="2608390"/>
+          </a:xfrm>
+          <a:prstGeom prst="rect">
+            <a:avLst/>
+          </a:prstGeom>
+        </p:spPr>
+      </p:pic>
     </p:spTree>
     <p:extLst>
       <p:ext uri="{BB962C8B-B14F-4D97-AF65-F5344CB8AC3E}">
-        <p14:creationId xmlns:p14="http://schemas.microsoft.com/office/powerpoint/2010/main" val="682331408"/>
+        <p14:creationId xmlns:p14="http://schemas.microsoft.com/office/powerpoint/2010/main" val="599643991"/>
       </p:ext>
     </p:extLst>
   </p:cSld>
@@ -7826,7 +7766,7 @@
     </a:clrScheme>
     <a:fontScheme name="Calibri">
       <a:majorFont>
-        <a:latin typeface="Calibri" panose="020F0502020204030204"/>
+        <a:latin typeface="Calibri"/>
         <a:ea typeface=""/>
         <a:cs typeface=""/>
         <a:font script="Jpan" typeface="メイリオ"/>
@@ -7861,7 +7801,7 @@
         <a:font script="Geor" typeface="Sylfaen"/>
       </a:majorFont>
       <a:minorFont>
-        <a:latin typeface="Calibri" panose="020F0502020204030204"/>
+        <a:latin typeface="Calibri"/>
         <a:ea typeface=""/>
         <a:cs typeface=""/>
         <a:font script="Jpan" typeface="メイリオ"/>
@@ -8087,7 +8027,7 @@
     </a:clrScheme>
     <a:fontScheme name="Office">
       <a:majorFont>
-        <a:latin typeface="Calibri Light" panose="020F0302020204030204"/>
+        <a:latin typeface="Calibri Light"/>
         <a:ea typeface=""/>
         <a:cs typeface=""/>
         <a:font script="Jpan" typeface="ＭＳ Ｐゴシック"/>
@@ -8122,7 +8062,7 @@
         <a:font script="Geor" typeface="Sylfaen"/>
       </a:majorFont>
       <a:minorFont>
-        <a:latin typeface="Calibri" panose="020F0502020204030204"/>
+        <a:latin typeface="Calibri"/>
         <a:ea typeface=""/>
         <a:cs typeface=""/>
         <a:font script="Jpan" typeface="ＭＳ Ｐゴシック"/>
@@ -8348,7 +8288,7 @@
     </a:clrScheme>
     <a:fontScheme name="Office">
       <a:majorFont>
-        <a:latin typeface="Calibri Light" panose="020F0302020204030204"/>
+        <a:latin typeface="Calibri Light"/>
         <a:ea typeface=""/>
         <a:cs typeface=""/>
         <a:font script="Jpan" typeface="ＭＳ Ｐゴシック"/>
@@ -8383,7 +8323,7 @@
         <a:font script="Geor" typeface="Sylfaen"/>
       </a:majorFont>
       <a:minorFont>
-        <a:latin typeface="Calibri" panose="020F0502020204030204"/>
+        <a:latin typeface="Calibri"/>
         <a:ea typeface=""/>
         <a:cs typeface=""/>
         <a:font script="Jpan" typeface="ＭＳ Ｐゴシック"/>
